--- a/Notes/Presentation_Ziwei .pptx
+++ b/Notes/Presentation_Ziwei .pptx
@@ -12,6 +12,7 @@
     <p:sldId id="262" r:id="rId6"/>
     <p:sldId id="260" r:id="rId7"/>
     <p:sldId id="261" r:id="rId8"/>
+    <p:sldId id="263" r:id="rId9"/>
   </p:sldIdLst>
   <p:sldSz cx="9144000" cy="6858000" type="screen4x3"/>
   <p:notesSz cx="6858000" cy="9144000"/>
@@ -3474,7 +3475,15 @@
             </a:r>
             <a:r>
               <a:rPr lang="en-US" sz="3200" b="1" u="sng" dirty="0" smtClean="0"/>
-              <a:t>. Load - Extract - Transform</a:t>
+              <a:t>. Load - Extract - Transform (</a:t>
+            </a:r>
+            <a:r>
+              <a:rPr lang="en-US" sz="3200" b="1" u="sng" dirty="0" err="1" smtClean="0"/>
+              <a:t>con’t</a:t>
+            </a:r>
+            <a:r>
+              <a:rPr lang="en-US" sz="3200" b="1" u="sng" dirty="0" smtClean="0"/>
+              <a:t>)</a:t>
             </a:r>
             <a:endParaRPr lang="en-US" sz="3200" b="1" u="sng" dirty="0"/>
           </a:p>
@@ -3956,7 +3965,7 @@
             <a:pPr algn="l"/>
             <a:r>
               <a:rPr lang="en-US" sz="3200" b="1" u="sng" dirty="0" smtClean="0"/>
-              <a:t>IV. Model Fitting - Logistic Regression</a:t>
+              <a:t>III. Model Fitting - Logistic Regression</a:t>
             </a:r>
             <a:endParaRPr lang="en-US" sz="3200" b="1" u="sng" dirty="0"/>
           </a:p>
@@ -3986,13 +3995,19 @@
           <a:p>
             <a:r>
               <a:rPr lang="en-US" sz="2000" dirty="0" smtClean="0"/>
-              <a:t>Standardize all numerical features before fitting logistic regression</a:t>
+              <a:t>Standardized all numerical features before fitting logistic regression</a:t>
             </a:r>
           </a:p>
           <a:p>
             <a:r>
               <a:rPr lang="en-US" sz="2000" dirty="0" smtClean="0"/>
-              <a:t>Create dummy variable to represent device (category variable) </a:t>
+              <a:t>Created dummy variable to represent device (category variable)</a:t>
+            </a:r>
+          </a:p>
+          <a:p>
+            <a:r>
+              <a:rPr lang="en-US" sz="2000" dirty="0" smtClean="0"/>
+              <a:t>Split sample into Test and Training data  </a:t>
             </a:r>
             <a:endParaRPr lang="en-US" sz="2000" dirty="0"/>
           </a:p>
@@ -4020,14 +4035,102 @@
         </p:blipFill>
         <p:spPr>
           <a:xfrm>
-            <a:off x="152400" y="1688180"/>
-            <a:ext cx="8991600" cy="4953919"/>
+            <a:off x="152400" y="1995244"/>
+            <a:ext cx="8747760" cy="4819575"/>
           </a:xfrm>
           <a:prstGeom prst="rect">
             <a:avLst/>
           </a:prstGeom>
         </p:spPr>
       </p:pic>
+      <p:sp>
+        <p:nvSpPr>
+          <p:cNvPr id="9" name="Rectangle 8"/>
+          <p:cNvSpPr/>
+          <p:nvPr/>
+        </p:nvSpPr>
+        <p:spPr>
+          <a:xfrm>
+            <a:off x="152400" y="6258560"/>
+            <a:ext cx="8605520" cy="284480"/>
+          </a:xfrm>
+          <a:prstGeom prst="rect">
+            <a:avLst/>
+          </a:prstGeom>
+          <a:noFill/>
+          <a:ln w="38100" cmpd="sng">
+            <a:solidFill>
+              <a:srgbClr val="008000"/>
+            </a:solidFill>
+          </a:ln>
+        </p:spPr>
+        <p:style>
+          <a:lnRef idx="1">
+            <a:schemeClr val="accent1"/>
+          </a:lnRef>
+          <a:fillRef idx="3">
+            <a:schemeClr val="accent1"/>
+          </a:fillRef>
+          <a:effectRef idx="2">
+            <a:schemeClr val="accent1"/>
+          </a:effectRef>
+          <a:fontRef idx="minor">
+            <a:schemeClr val="lt1"/>
+          </a:fontRef>
+        </p:style>
+        <p:txBody>
+          <a:bodyPr rtlCol="0" anchor="ctr"/>
+          <a:lstStyle/>
+          <a:p>
+            <a:pPr algn="ctr"/>
+            <a:endParaRPr lang="en-US"/>
+          </a:p>
+        </p:txBody>
+      </p:sp>
+      <p:sp>
+        <p:nvSpPr>
+          <p:cNvPr id="10" name="Rectangle 9"/>
+          <p:cNvSpPr/>
+          <p:nvPr/>
+        </p:nvSpPr>
+        <p:spPr>
+          <a:xfrm>
+            <a:off x="156979" y="2306320"/>
+            <a:ext cx="8432800" cy="660400"/>
+          </a:xfrm>
+          <a:prstGeom prst="rect">
+            <a:avLst/>
+          </a:prstGeom>
+          <a:noFill/>
+          <a:ln w="38100" cmpd="sng">
+            <a:solidFill>
+              <a:srgbClr val="FF6600"/>
+            </a:solidFill>
+          </a:ln>
+        </p:spPr>
+        <p:style>
+          <a:lnRef idx="1">
+            <a:schemeClr val="accent1"/>
+          </a:lnRef>
+          <a:fillRef idx="3">
+            <a:schemeClr val="accent1"/>
+          </a:fillRef>
+          <a:effectRef idx="2">
+            <a:schemeClr val="accent1"/>
+          </a:effectRef>
+          <a:fontRef idx="minor">
+            <a:schemeClr val="lt1"/>
+          </a:fontRef>
+        </p:style>
+        <p:txBody>
+          <a:bodyPr rtlCol="0" anchor="ctr"/>
+          <a:lstStyle/>
+          <a:p>
+            <a:pPr algn="ctr"/>
+            <a:endParaRPr lang="en-US"/>
+          </a:p>
+        </p:txBody>
+      </p:sp>
     </p:spTree>
     <p:extLst>
       <p:ext uri="{BB962C8B-B14F-4D97-AF65-F5344CB8AC3E}">
@@ -4105,8 +4208,8 @@
         </p:blipFill>
         <p:spPr>
           <a:xfrm>
-            <a:off x="398279" y="2761464"/>
-            <a:ext cx="3792721" cy="3861680"/>
+            <a:off x="316999" y="3066634"/>
+            <a:ext cx="3493001" cy="3556510"/>
           </a:xfrm>
           <a:prstGeom prst="rect">
             <a:avLst/>
@@ -4135,8 +4238,8 @@
         </p:blipFill>
         <p:spPr>
           <a:xfrm>
-            <a:off x="4963160" y="3588881"/>
-            <a:ext cx="3390559" cy="3205619"/>
+            <a:off x="4963161" y="4052039"/>
+            <a:ext cx="2900680" cy="2742461"/>
           </a:xfrm>
           <a:prstGeom prst="rect">
             <a:avLst/>
@@ -4165,8 +4268,8 @@
         </p:blipFill>
         <p:spPr>
           <a:xfrm>
-            <a:off x="4963160" y="121781"/>
-            <a:ext cx="3390559" cy="3205620"/>
+            <a:off x="4963161" y="676379"/>
+            <a:ext cx="2900680" cy="2742462"/>
           </a:xfrm>
           <a:prstGeom prst="rect">
             <a:avLst/>
@@ -4175,7 +4278,7 @@
       </p:pic>
       <p:sp>
         <p:nvSpPr>
-          <p:cNvPr id="8" name="Title 1"/>
+          <p:cNvPr id="9" name="Title 1"/>
           <p:cNvSpPr txBox="1">
             <a:spLocks/>
           </p:cNvSpPr>
@@ -4183,8 +4286,8 @@
         </p:nvSpPr>
         <p:spPr>
           <a:xfrm>
-            <a:off x="398279" y="1054100"/>
-            <a:ext cx="2230621" cy="799060"/>
+            <a:off x="5041399" y="3637280"/>
+            <a:ext cx="2751321" cy="431222"/>
           </a:xfrm>
           <a:prstGeom prst="rect">
             <a:avLst/>
@@ -4192,7 +4295,7 @@
         </p:spPr>
         <p:txBody>
           <a:bodyPr vert="horz" lIns="91440" tIns="45720" rIns="91440" bIns="45720" rtlCol="0" anchor="ctr">
-            <a:normAutofit/>
+            <a:noAutofit/>
           </a:bodyPr>
           <a:lstStyle>
             <a:lvl1pPr algn="ctr" defTabSz="457200" rtl="0" eaLnBrk="1" latinLnBrk="0" hangingPunct="1">
@@ -4211,12 +4314,156 @@
             </a:lvl1pPr>
           </a:lstStyle>
           <a:p>
-            <a:pPr algn="l"/>
-            <a:r>
-              <a:rPr lang="en-US" sz="1800" b="1" dirty="0" smtClean="0"/>
-              <a:t>Penalty = 0 </a:t>
-            </a:r>
-            <a:endParaRPr lang="en-US" sz="1800" b="1" dirty="0"/>
+            <a:r>
+              <a:rPr lang="en-US" sz="1200" b="1" dirty="0" smtClean="0"/>
+              <a:t>AUC of Testing Data -  </a:t>
+            </a:r>
+          </a:p>
+          <a:p>
+            <a:r>
+              <a:rPr lang="en-US" sz="1200" b="1" dirty="0" smtClean="0"/>
+              <a:t>Best L1 Penalty (0. 1)  </a:t>
+            </a:r>
+            <a:endParaRPr lang="en-US" sz="1200" b="1" dirty="0"/>
+          </a:p>
+        </p:txBody>
+      </p:sp>
+      <p:sp>
+        <p:nvSpPr>
+          <p:cNvPr id="10" name="Title 1"/>
+          <p:cNvSpPr txBox="1">
+            <a:spLocks/>
+          </p:cNvSpPr>
+          <p:nvPr/>
+        </p:nvSpPr>
+        <p:spPr>
+          <a:xfrm>
+            <a:off x="5041399" y="204517"/>
+            <a:ext cx="2751321" cy="431222"/>
+          </a:xfrm>
+          <a:prstGeom prst="rect">
+            <a:avLst/>
+          </a:prstGeom>
+        </p:spPr>
+        <p:txBody>
+          <a:bodyPr vert="horz" lIns="91440" tIns="45720" rIns="91440" bIns="45720" rtlCol="0" anchor="ctr">
+            <a:noAutofit/>
+          </a:bodyPr>
+          <a:lstStyle>
+            <a:lvl1pPr algn="ctr" defTabSz="457200" rtl="0" eaLnBrk="1" latinLnBrk="0" hangingPunct="1">
+              <a:spcBef>
+                <a:spcPct val="0"/>
+              </a:spcBef>
+              <a:buNone/>
+              <a:defRPr sz="4400" kern="1200">
+                <a:solidFill>
+                  <a:schemeClr val="tx1"/>
+                </a:solidFill>
+                <a:latin typeface="+mj-lt"/>
+                <a:ea typeface="+mj-ea"/>
+                <a:cs typeface="+mj-cs"/>
+              </a:defRPr>
+            </a:lvl1pPr>
+          </a:lstStyle>
+          <a:p>
+            <a:r>
+              <a:rPr lang="en-US" sz="1200" b="1" dirty="0" smtClean="0"/>
+              <a:t>AUC of Testing Data -  </a:t>
+            </a:r>
+          </a:p>
+          <a:p>
+            <a:r>
+              <a:rPr lang="en-US" sz="1200" b="1" dirty="0" smtClean="0"/>
+              <a:t>No L1 Penalty (0)  </a:t>
+            </a:r>
+            <a:endParaRPr lang="en-US" sz="1200" b="1" dirty="0"/>
+          </a:p>
+        </p:txBody>
+      </p:sp>
+      <p:sp>
+        <p:nvSpPr>
+          <p:cNvPr id="12" name="Title 1"/>
+          <p:cNvSpPr txBox="1">
+            <a:spLocks/>
+          </p:cNvSpPr>
+          <p:nvPr/>
+        </p:nvSpPr>
+        <p:spPr>
+          <a:xfrm>
+            <a:off x="156979" y="839688"/>
+            <a:ext cx="4181341" cy="1669832"/>
+          </a:xfrm>
+          <a:prstGeom prst="rect">
+            <a:avLst/>
+          </a:prstGeom>
+        </p:spPr>
+        <p:txBody>
+          <a:bodyPr vert="horz" lIns="91440" tIns="45720" rIns="91440" bIns="45720" rtlCol="0" anchor="ctr">
+            <a:noAutofit/>
+          </a:bodyPr>
+          <a:lstStyle>
+            <a:lvl1pPr algn="ctr" defTabSz="457200" rtl="0" eaLnBrk="1" latinLnBrk="0" hangingPunct="1">
+              <a:spcBef>
+                <a:spcPct val="0"/>
+              </a:spcBef>
+              <a:buNone/>
+              <a:defRPr sz="4400" kern="1200">
+                <a:solidFill>
+                  <a:schemeClr val="tx1"/>
+                </a:solidFill>
+                <a:latin typeface="+mj-lt"/>
+                <a:ea typeface="+mj-ea"/>
+                <a:cs typeface="+mj-cs"/>
+              </a:defRPr>
+            </a:lvl1pPr>
+          </a:lstStyle>
+          <a:p>
+            <a:pPr marL="171450" indent="-171450" algn="l">
+              <a:lnSpc>
+                <a:spcPct val="120000"/>
+              </a:lnSpc>
+              <a:buFont typeface="Arial"/>
+              <a:buChar char="•"/>
+            </a:pPr>
+            <a:r>
+              <a:rPr lang="en-US" sz="1600" dirty="0" smtClean="0"/>
+              <a:t>Tried to optimize model by experimenting with L1 penalty on scale of log10. </a:t>
+            </a:r>
+          </a:p>
+          <a:p>
+            <a:pPr marL="171450" indent="-171450" algn="l">
+              <a:lnSpc>
+                <a:spcPct val="120000"/>
+              </a:lnSpc>
+              <a:buFont typeface="Arial"/>
+              <a:buChar char="•"/>
+            </a:pPr>
+            <a:endParaRPr lang="en-US" sz="1600" dirty="0" smtClean="0"/>
+          </a:p>
+          <a:p>
+            <a:pPr marL="171450" indent="-171450" algn="l">
+              <a:lnSpc>
+                <a:spcPct val="120000"/>
+              </a:lnSpc>
+              <a:buFont typeface="Arial"/>
+              <a:buChar char="•"/>
+            </a:pPr>
+            <a:r>
+              <a:rPr lang="en-US" sz="1600" dirty="0" smtClean="0"/>
+              <a:t>Difference in AUC is de miniscule, supporting the use of simpler model. </a:t>
+            </a:r>
+          </a:p>
+          <a:p>
+            <a:pPr algn="l">
+              <a:lnSpc>
+                <a:spcPct val="120000"/>
+              </a:lnSpc>
+            </a:pPr>
+            <a:r>
+              <a:rPr lang="en-US" sz="1600" dirty="0" smtClean="0"/>
+              <a:t>  </a:t>
+            </a:r>
+            <a:endParaRPr lang="en-US" sz="1600" dirty="0"/>
           </a:p>
         </p:txBody>
       </p:sp>
@@ -4275,7 +4522,7 @@
             <a:pPr algn="l"/>
             <a:r>
               <a:rPr lang="en-US" sz="3200" b="1" u="sng" dirty="0" smtClean="0"/>
-              <a:t>IV. Model Regularization </a:t>
+              <a:t>V. Model Regularization </a:t>
             </a:r>
             <a:endParaRPr lang="en-US" sz="3200" b="1" u="sng" dirty="0"/>
           </a:p>
@@ -4321,7 +4568,7 @@
         </p:nvSpPr>
         <p:spPr>
           <a:xfrm>
-            <a:off x="791979" y="1282700"/>
+            <a:off x="751339" y="1231900"/>
             <a:ext cx="2230621" cy="520700"/>
           </a:xfrm>
           <a:prstGeom prst="rect">
@@ -4380,7 +4627,7 @@
         </p:nvSpPr>
         <p:spPr>
           <a:xfrm>
-            <a:off x="576079" y="5689600"/>
+            <a:off x="708159" y="5720080"/>
             <a:ext cx="3475221" cy="520700"/>
           </a:xfrm>
           <a:prstGeom prst="rect">
@@ -4500,6 +4747,124 @@
           </a:p>
         </p:txBody>
       </p:sp>
+      <p:sp>
+        <p:nvSpPr>
+          <p:cNvPr id="7" name="Title 1"/>
+          <p:cNvSpPr txBox="1">
+            <a:spLocks/>
+          </p:cNvSpPr>
+          <p:nvPr/>
+        </p:nvSpPr>
+        <p:spPr>
+          <a:xfrm>
+            <a:off x="781819" y="3881120"/>
+            <a:ext cx="3475221" cy="520700"/>
+          </a:xfrm>
+          <a:prstGeom prst="rect">
+            <a:avLst/>
+          </a:prstGeom>
+        </p:spPr>
+        <p:txBody>
+          <a:bodyPr vert="horz" lIns="91440" tIns="45720" rIns="91440" bIns="45720" rtlCol="0" anchor="ctr">
+            <a:normAutofit/>
+          </a:bodyPr>
+          <a:lstStyle>
+            <a:lvl1pPr algn="ctr" defTabSz="457200" rtl="0" eaLnBrk="1" latinLnBrk="0" hangingPunct="1">
+              <a:spcBef>
+                <a:spcPct val="0"/>
+              </a:spcBef>
+              <a:buNone/>
+              <a:defRPr sz="4400" kern="1200">
+                <a:solidFill>
+                  <a:schemeClr val="tx1"/>
+                </a:solidFill>
+                <a:latin typeface="+mj-lt"/>
+                <a:ea typeface="+mj-ea"/>
+                <a:cs typeface="+mj-cs"/>
+              </a:defRPr>
+            </a:lvl1pPr>
+          </a:lstStyle>
+          <a:p>
+            <a:pPr algn="l"/>
+            <a:r>
+              <a:rPr lang="en-US" sz="1600" b="1" dirty="0" smtClean="0">
+                <a:solidFill>
+                  <a:schemeClr val="bg1">
+                    <a:lumMod val="65000"/>
+                  </a:schemeClr>
+                </a:solidFill>
+              </a:rPr>
+              <a:t>Days Since Last Search</a:t>
+            </a:r>
+            <a:endParaRPr lang="en-US" sz="1600" b="1" dirty="0">
+              <a:solidFill>
+                <a:schemeClr val="bg1">
+                  <a:lumMod val="65000"/>
+                </a:schemeClr>
+              </a:solidFill>
+            </a:endParaRPr>
+          </a:p>
+        </p:txBody>
+      </p:sp>
+      <p:sp>
+        <p:nvSpPr>
+          <p:cNvPr id="8" name="Title 1"/>
+          <p:cNvSpPr txBox="1">
+            <a:spLocks/>
+          </p:cNvSpPr>
+          <p:nvPr/>
+        </p:nvSpPr>
+        <p:spPr>
+          <a:xfrm>
+            <a:off x="791979" y="4208780"/>
+            <a:ext cx="2774181" cy="520700"/>
+          </a:xfrm>
+          <a:prstGeom prst="rect">
+            <a:avLst/>
+          </a:prstGeom>
+        </p:spPr>
+        <p:txBody>
+          <a:bodyPr vert="horz" lIns="91440" tIns="45720" rIns="91440" bIns="45720" rtlCol="0" anchor="ctr">
+            <a:normAutofit/>
+          </a:bodyPr>
+          <a:lstStyle>
+            <a:lvl1pPr algn="ctr" defTabSz="457200" rtl="0" eaLnBrk="1" latinLnBrk="0" hangingPunct="1">
+              <a:spcBef>
+                <a:spcPct val="0"/>
+              </a:spcBef>
+              <a:buNone/>
+              <a:defRPr sz="4400" kern="1200">
+                <a:solidFill>
+                  <a:schemeClr val="tx1"/>
+                </a:solidFill>
+                <a:latin typeface="+mj-lt"/>
+                <a:ea typeface="+mj-ea"/>
+                <a:cs typeface="+mj-cs"/>
+              </a:defRPr>
+            </a:lvl1pPr>
+          </a:lstStyle>
+          <a:p>
+            <a:pPr algn="l"/>
+            <a:r>
+              <a:rPr lang="en-US" sz="1600" b="1" dirty="0" smtClean="0">
+                <a:solidFill>
+                  <a:schemeClr val="bg2">
+                    <a:lumMod val="50000"/>
+                  </a:schemeClr>
+                </a:solidFill>
+              </a:rPr>
+              <a:t>Days Since Last Download</a:t>
+            </a:r>
+            <a:endParaRPr lang="en-US" sz="1600" b="1" dirty="0">
+              <a:solidFill>
+                <a:schemeClr val="bg2">
+                  <a:lumMod val="50000"/>
+                </a:schemeClr>
+              </a:solidFill>
+            </a:endParaRPr>
+          </a:p>
+        </p:txBody>
+      </p:sp>
     </p:spTree>
     <p:extLst>
       <p:ext uri="{BB962C8B-B14F-4D97-AF65-F5344CB8AC3E}">
@@ -4510,6 +4875,221 @@
   <p:clrMapOvr>
     <a:masterClrMapping/>
   </p:clrMapOvr>
+</p:sld>
+</file>
+
+<file path=ppt/slides/slide8.xml><?xml version="1.0" encoding="utf-8"?>
+<p:sld xmlns:a="http://schemas.openxmlformats.org/drawingml/2006/main" xmlns:r="http://schemas.openxmlformats.org/officeDocument/2006/relationships" xmlns:p="http://schemas.openxmlformats.org/presentationml/2006/main">
+  <p:cSld>
+    <p:spTree>
+      <p:nvGrpSpPr>
+        <p:cNvPr id="1" name=""/>
+        <p:cNvGrpSpPr/>
+        <p:nvPr/>
+      </p:nvGrpSpPr>
+      <p:grpSpPr>
+        <a:xfrm>
+          <a:off x="0" y="0"/>
+          <a:ext cx="0" cy="0"/>
+          <a:chOff x="0" y="0"/>
+          <a:chExt cx="0" cy="0"/>
+        </a:xfrm>
+      </p:grpSpPr>
+      <p:sp>
+        <p:nvSpPr>
+          <p:cNvPr id="2" name="Title 1"/>
+          <p:cNvSpPr>
+            <a:spLocks noGrp="1"/>
+          </p:cNvSpPr>
+          <p:nvPr>
+            <p:ph type="title"/>
+          </p:nvPr>
+        </p:nvSpPr>
+        <p:spPr>
+          <a:xfrm>
+            <a:off x="156979" y="0"/>
+            <a:ext cx="8229600" cy="799060"/>
+          </a:xfrm>
+        </p:spPr>
+        <p:txBody>
+          <a:bodyPr>
+            <a:normAutofit/>
+          </a:bodyPr>
+          <a:lstStyle/>
+          <a:p>
+            <a:pPr algn="l"/>
+            <a:r>
+              <a:rPr lang="en-US" sz="3200" b="1" u="sng" dirty="0" smtClean="0"/>
+              <a:t>VI. A Simpler Model </a:t>
+            </a:r>
+            <a:endParaRPr lang="en-US" sz="3200" b="1" u="sng" dirty="0"/>
+          </a:p>
+        </p:txBody>
+      </p:sp>
+      <p:pic>
+        <p:nvPicPr>
+          <p:cNvPr id="9" name="Picture 8" descr="AUC_500bps_simple_features.png"/>
+          <p:cNvPicPr>
+            <a:picLocks noChangeAspect="1"/>
+          </p:cNvPicPr>
+          <p:nvPr/>
+        </p:nvPicPr>
+        <p:blipFill>
+          <a:blip r:embed="rId2">
+            <a:extLst>
+              <a:ext uri="{28A0092B-C50C-407E-A947-70E740481C1C}">
+                <a14:useLocalDpi xmlns:a14="http://schemas.microsoft.com/office/drawing/2010/main" val="0"/>
+              </a:ext>
+            </a:extLst>
+          </a:blip>
+          <a:stretch>
+            <a:fillRect/>
+          </a:stretch>
+        </p:blipFill>
+        <p:spPr>
+          <a:xfrm>
+            <a:off x="5884171" y="951460"/>
+            <a:ext cx="2641601" cy="2497513"/>
+          </a:xfrm>
+          <a:prstGeom prst="rect">
+            <a:avLst/>
+          </a:prstGeom>
+        </p:spPr>
+      </p:pic>
+      <p:sp>
+        <p:nvSpPr>
+          <p:cNvPr id="11" name="Title 1"/>
+          <p:cNvSpPr txBox="1">
+            <a:spLocks/>
+          </p:cNvSpPr>
+          <p:nvPr/>
+        </p:nvSpPr>
+        <p:spPr>
+          <a:xfrm>
+            <a:off x="341391" y="1164820"/>
+            <a:ext cx="4901169" cy="2055900"/>
+          </a:xfrm>
+          <a:prstGeom prst="rect">
+            <a:avLst/>
+          </a:prstGeom>
+        </p:spPr>
+        <p:txBody>
+          <a:bodyPr vert="horz" lIns="91440" tIns="45720" rIns="91440" bIns="45720" rtlCol="0" anchor="ctr">
+            <a:noAutofit/>
+          </a:bodyPr>
+          <a:lstStyle>
+            <a:lvl1pPr algn="ctr" defTabSz="457200" rtl="0" eaLnBrk="1" latinLnBrk="0" hangingPunct="1">
+              <a:spcBef>
+                <a:spcPct val="0"/>
+              </a:spcBef>
+              <a:buNone/>
+              <a:defRPr sz="4400" kern="1200">
+                <a:solidFill>
+                  <a:schemeClr val="tx1"/>
+                </a:solidFill>
+                <a:latin typeface="+mj-lt"/>
+                <a:ea typeface="+mj-ea"/>
+                <a:cs typeface="+mj-cs"/>
+              </a:defRPr>
+            </a:lvl1pPr>
+          </a:lstStyle>
+          <a:p>
+            <a:pPr marL="171450" indent="-171450" algn="l">
+              <a:lnSpc>
+                <a:spcPct val="120000"/>
+              </a:lnSpc>
+              <a:buFont typeface="Arial"/>
+              <a:buChar char="•"/>
+            </a:pPr>
+            <a:r>
+              <a:rPr lang="en-US" sz="1600" dirty="0" smtClean="0"/>
+              <a:t>Based on results from Grid Search and Model Regularization, I concluded the logistic regression model with a sub-set of features (6 out of 20 features)</a:t>
+            </a:r>
+          </a:p>
+          <a:p>
+            <a:pPr marL="171450" indent="-171450" algn="l">
+              <a:lnSpc>
+                <a:spcPct val="120000"/>
+              </a:lnSpc>
+              <a:buFont typeface="Arial"/>
+              <a:buChar char="•"/>
+            </a:pPr>
+            <a:r>
+              <a:rPr lang="en-US" sz="1600" dirty="0" smtClean="0"/>
+              <a:t>Simpler model enhances interpretability without sacrificing prediction performance. </a:t>
+            </a:r>
+          </a:p>
+          <a:p>
+            <a:pPr marL="171450" indent="-171450" algn="l">
+              <a:lnSpc>
+                <a:spcPct val="120000"/>
+              </a:lnSpc>
+              <a:buFont typeface="Arial"/>
+              <a:buChar char="•"/>
+            </a:pPr>
+            <a:endParaRPr lang="en-US" sz="1800" dirty="0" smtClean="0"/>
+          </a:p>
+          <a:p>
+            <a:pPr algn="l">
+              <a:lnSpc>
+                <a:spcPct val="120000"/>
+              </a:lnSpc>
+            </a:pPr>
+            <a:r>
+              <a:rPr lang="en-US" sz="1800" dirty="0" smtClean="0"/>
+              <a:t>  </a:t>
+            </a:r>
+            <a:endParaRPr lang="en-US" sz="1800" dirty="0"/>
+          </a:p>
+        </p:txBody>
+      </p:sp>
+      <p:pic>
+        <p:nvPicPr>
+          <p:cNvPr id="12" name="Picture 11" descr="Feature_Coef_500bps_Simple.png"/>
+          <p:cNvPicPr>
+            <a:picLocks noChangeAspect="1"/>
+          </p:cNvPicPr>
+          <p:nvPr/>
+        </p:nvPicPr>
+        <p:blipFill>
+          <a:blip r:embed="rId3">
+            <a:extLst>
+              <a:ext uri="{28A0092B-C50C-407E-A947-70E740481C1C}">
+                <a14:useLocalDpi xmlns:a14="http://schemas.microsoft.com/office/drawing/2010/main" val="0"/>
+              </a:ext>
+            </a:extLst>
+          </a:blip>
+          <a:stretch>
+            <a:fillRect/>
+          </a:stretch>
+        </p:blipFill>
+        <p:spPr>
+          <a:xfrm>
+            <a:off x="187459" y="3587142"/>
+            <a:ext cx="5727192" cy="3110329"/>
+          </a:xfrm>
+          <a:prstGeom prst="rect">
+            <a:avLst/>
+          </a:prstGeom>
+        </p:spPr>
+      </p:pic>
+    </p:spTree>
+    <p:extLst>
+      <p:ext uri="{BB962C8B-B14F-4D97-AF65-F5344CB8AC3E}">
+        <p14:creationId xmlns:p14="http://schemas.microsoft.com/office/powerpoint/2010/main" val="2767717028"/>
+      </p:ext>
+    </p:extLst>
+  </p:cSld>
+  <p:clrMapOvr>
+    <a:masterClrMapping/>
+  </p:clrMapOvr>
+  <p:timing>
+    <p:tnLst>
+      <p:par>
+        <p:cTn xmlns:p14="http://schemas.microsoft.com/office/powerpoint/2010/main" id="1" dur="indefinite" restart="never" nodeType="tmRoot"/>
+      </p:par>
+    </p:tnLst>
+  </p:timing>
 </p:sld>
 </file>
 
